--- a/dessimination/diagrams.pptx
+++ b/dessimination/diagrams.pptx
@@ -5,13 +5,14 @@
     <p:sldMasterId id="2147483648" r:id="rId1"/>
   </p:sldMasterIdLst>
   <p:notesMasterIdLst>
-    <p:notesMasterId r:id="rId4"/>
+    <p:notesMasterId r:id="rId5"/>
   </p:notesMasterIdLst>
   <p:handoutMasterIdLst>
-    <p:handoutMasterId r:id="rId5"/>
+    <p:handoutMasterId r:id="rId6"/>
   </p:handoutMasterIdLst>
   <p:sldIdLst>
     <p:sldId id="256" r:id="rId3"/>
+    <p:sldId id="257" r:id="rId4"/>
   </p:sldIdLst>
   <p:sldSz cx="12192000" cy="6858000"/>
   <p:notesSz cx="7103745" cy="10234295"/>
@@ -5193,6 +5194,1767 @@
               <a:t>    2 - fully “cut” the  tactile image and merge with RGB (as the elastomer was removed by the cut)</a:t>
             </a:r>
             <a:endParaRPr lang="pt-PT" altLang="en-US" sz="1200"/>
+          </a:p>
+        </p:txBody>
+      </p:sp>
+    </p:spTree>
+  </p:cSld>
+  <p:clrMapOvr>
+    <a:masterClrMapping/>
+  </p:clrMapOvr>
+</p:sld>
+</file>
+
+<file path=ppt/slides/slide2.xml><?xml version="1.0" encoding="utf-8"?>
+<p:sld xmlns:a="http://schemas.openxmlformats.org/drawingml/2006/main" xmlns:r="http://schemas.openxmlformats.org/officeDocument/2006/relationships" xmlns:p="http://schemas.openxmlformats.org/presentationml/2006/main">
+  <p:cSld>
+    <p:spTree>
+      <p:nvGrpSpPr>
+        <p:cNvPr id="1" name=""/>
+        <p:cNvGrpSpPr/>
+        <p:nvPr/>
+      </p:nvGrpSpPr>
+      <p:grpSpPr>
+        <a:xfrm>
+          <a:off x="0" y="0"/>
+          <a:ext cx="0" cy="0"/>
+          <a:chOff x="0" y="0"/>
+          <a:chExt cx="0" cy="0"/>
+        </a:xfrm>
+      </p:grpSpPr>
+      <p:sp>
+        <p:nvSpPr>
+          <p:cNvPr id="7" name="Rectangles 6"/>
+          <p:cNvSpPr/>
+          <p:nvPr/>
+        </p:nvSpPr>
+        <p:spPr>
+          <a:xfrm>
+            <a:off x="201295" y="3300730"/>
+            <a:ext cx="1959610" cy="1510030"/>
+          </a:xfrm>
+          <a:prstGeom prst="rect">
+            <a:avLst/>
+          </a:prstGeom>
+          <a:ln w="28575">
+            <a:solidFill>
+              <a:schemeClr val="tx1"/>
+            </a:solidFill>
+          </a:ln>
+        </p:spPr>
+        <p:style>
+          <a:lnRef idx="2">
+            <a:schemeClr val="accent6"/>
+          </a:lnRef>
+          <a:fillRef idx="1">
+            <a:schemeClr val="lt1"/>
+          </a:fillRef>
+          <a:effectRef idx="0">
+            <a:schemeClr val="accent6"/>
+          </a:effectRef>
+          <a:fontRef idx="minor">
+            <a:schemeClr val="dk1"/>
+          </a:fontRef>
+        </p:style>
+        <p:txBody>
+          <a:bodyPr rtlCol="0" anchor="ctr"/>
+          <a:p>
+            <a:pPr algn="ctr"/>
+            <a:r>
+              <a:rPr lang="en-US" b="1"/>
+              <a:t>Visual</a:t>
+            </a:r>
+            <a:endParaRPr lang="en-US" b="1"/>
+          </a:p>
+          <a:p>
+            <a:pPr algn="ctr"/>
+            <a:r>
+              <a:rPr lang="en-US" b="1"/>
+              <a:t>Image</a:t>
+            </a:r>
+            <a:br>
+              <a:rPr lang="en-US" b="1"/>
+            </a:br>
+            <a:r>
+              <a:rPr lang="pt-PT" altLang="en-US" b="1"/>
+              <a:t>(aligned with the depth map)</a:t>
+            </a:r>
+            <a:endParaRPr lang="pt-PT" altLang="en-US" b="1"/>
+          </a:p>
+        </p:txBody>
+      </p:sp>
+      <p:sp>
+        <p:nvSpPr>
+          <p:cNvPr id="8" name="Rectangles 7"/>
+          <p:cNvSpPr/>
+          <p:nvPr/>
+        </p:nvSpPr>
+        <p:spPr>
+          <a:xfrm>
+            <a:off x="3012440" y="2551430"/>
+            <a:ext cx="1144270" cy="817880"/>
+          </a:xfrm>
+          <a:prstGeom prst="rect">
+            <a:avLst/>
+          </a:prstGeom>
+          <a:ln w="28575">
+            <a:solidFill>
+              <a:schemeClr val="tx1"/>
+            </a:solidFill>
+          </a:ln>
+        </p:spPr>
+        <p:style>
+          <a:lnRef idx="2">
+            <a:schemeClr val="accent6"/>
+          </a:lnRef>
+          <a:fillRef idx="1">
+            <a:schemeClr val="lt1"/>
+          </a:fillRef>
+          <a:effectRef idx="0">
+            <a:schemeClr val="accent6"/>
+          </a:effectRef>
+          <a:fontRef idx="minor">
+            <a:schemeClr val="dk1"/>
+          </a:fontRef>
+        </p:style>
+        <p:txBody>
+          <a:bodyPr rtlCol="0" anchor="ctr"/>
+          <a:p>
+            <a:pPr algn="ctr"/>
+            <a:r>
+              <a:rPr lang="en-US" b="1"/>
+              <a:t>Wearing</a:t>
+            </a:r>
+            <a:endParaRPr lang="en-US" b="1"/>
+          </a:p>
+          <a:p>
+            <a:pPr algn="ctr"/>
+            <a:r>
+              <a:rPr lang="en-US" b="1"/>
+              <a:t>Mask</a:t>
+            </a:r>
+            <a:endParaRPr lang="en-US" b="1"/>
+          </a:p>
+        </p:txBody>
+      </p:sp>
+      <p:cxnSp>
+        <p:nvCxnSpPr>
+          <p:cNvPr id="10" name="Elbow Connector 9"/>
+          <p:cNvCxnSpPr>
+            <a:stCxn id="7" idx="3"/>
+          </p:cNvCxnSpPr>
+          <p:nvPr/>
+        </p:nvCxnSpPr>
+        <p:spPr>
+          <a:xfrm>
+            <a:off x="2160905" y="4055745"/>
+            <a:ext cx="979805" cy="6350"/>
+          </a:xfrm>
+          <a:prstGeom prst="bentConnector3">
+            <a:avLst>
+              <a:gd name="adj1" fmla="val 50032"/>
+            </a:avLst>
+          </a:prstGeom>
+          <a:ln>
+            <a:tailEnd type="arrow" w="med" len="med"/>
+          </a:ln>
+        </p:spPr>
+        <p:style>
+          <a:lnRef idx="3">
+            <a:schemeClr val="dk1"/>
+          </a:lnRef>
+          <a:fillRef idx="0">
+            <a:schemeClr val="dk1"/>
+          </a:fillRef>
+          <a:effectRef idx="2">
+            <a:schemeClr val="dk1"/>
+          </a:effectRef>
+          <a:fontRef idx="minor">
+            <a:schemeClr val="tx1"/>
+          </a:fontRef>
+        </p:style>
+      </p:cxnSp>
+      <p:sp>
+        <p:nvSpPr>
+          <p:cNvPr id="11" name="Text Box 10"/>
+          <p:cNvSpPr txBox="1"/>
+          <p:nvPr/>
+        </p:nvSpPr>
+        <p:spPr>
+          <a:xfrm>
+            <a:off x="2870200" y="4178935"/>
+            <a:ext cx="589280" cy="368300"/>
+          </a:xfrm>
+          <a:prstGeom prst="rect">
+            <a:avLst/>
+          </a:prstGeom>
+          <a:noFill/>
+        </p:spPr>
+        <p:txBody>
+          <a:bodyPr wrap="none" rtlCol="0">
+            <a:spAutoFit/>
+          </a:bodyPr>
+          <a:p>
+            <a:r>
+              <a:rPr lang="en-US"/>
+              <a:t>Blur</a:t>
+            </a:r>
+            <a:endParaRPr lang="en-US"/>
+          </a:p>
+        </p:txBody>
+      </p:sp>
+      <p:cxnSp>
+        <p:nvCxnSpPr>
+          <p:cNvPr id="15" name="Straight Arrow Connector 14"/>
+          <p:cNvCxnSpPr/>
+          <p:nvPr/>
+        </p:nvCxnSpPr>
+        <p:spPr>
+          <a:xfrm>
+            <a:off x="2225675" y="1851660"/>
+            <a:ext cx="844550" cy="20955"/>
+          </a:xfrm>
+          <a:prstGeom prst="straightConnector1">
+            <a:avLst/>
+          </a:prstGeom>
+          <a:ln>
+            <a:tailEnd type="arrow"/>
+          </a:ln>
+        </p:spPr>
+        <p:style>
+          <a:lnRef idx="1">
+            <a:schemeClr val="accent1"/>
+          </a:lnRef>
+          <a:fillRef idx="0">
+            <a:schemeClr val="accent1"/>
+          </a:fillRef>
+          <a:effectRef idx="0">
+            <a:schemeClr val="accent1"/>
+          </a:effectRef>
+          <a:fontRef idx="minor">
+            <a:schemeClr val="tx1"/>
+          </a:fontRef>
+        </p:style>
+      </p:cxnSp>
+      <p:cxnSp>
+        <p:nvCxnSpPr>
+          <p:cNvPr id="17" name="Straight Arrow Connector 16"/>
+          <p:cNvCxnSpPr/>
+          <p:nvPr/>
+        </p:nvCxnSpPr>
+        <p:spPr>
+          <a:xfrm flipV="1">
+            <a:off x="3263265" y="1998980"/>
+            <a:ext cx="5080" cy="475615"/>
+          </a:xfrm>
+          <a:prstGeom prst="straightConnector1">
+            <a:avLst/>
+          </a:prstGeom>
+          <a:ln>
+            <a:tailEnd type="arrow"/>
+          </a:ln>
+        </p:spPr>
+        <p:style>
+          <a:lnRef idx="1">
+            <a:schemeClr val="accent1"/>
+          </a:lnRef>
+          <a:fillRef idx="0">
+            <a:schemeClr val="accent1"/>
+          </a:fillRef>
+          <a:effectRef idx="0">
+            <a:schemeClr val="accent1"/>
+          </a:effectRef>
+          <a:fontRef idx="minor">
+            <a:schemeClr val="tx1"/>
+          </a:fontRef>
+        </p:style>
+      </p:cxnSp>
+      <p:cxnSp>
+        <p:nvCxnSpPr>
+          <p:cNvPr id="19" name="Straight Arrow Connector 18"/>
+          <p:cNvCxnSpPr/>
+          <p:nvPr/>
+        </p:nvCxnSpPr>
+        <p:spPr>
+          <a:xfrm flipH="1">
+            <a:off x="3579495" y="3369310"/>
+            <a:ext cx="10795" cy="354965"/>
+          </a:xfrm>
+          <a:prstGeom prst="straightConnector1">
+            <a:avLst/>
+          </a:prstGeom>
+          <a:ln>
+            <a:tailEnd type="arrow"/>
+          </a:ln>
+        </p:spPr>
+        <p:style>
+          <a:lnRef idx="1">
+            <a:schemeClr val="accent1"/>
+          </a:lnRef>
+          <a:fillRef idx="0">
+            <a:schemeClr val="accent1"/>
+          </a:fillRef>
+          <a:effectRef idx="0">
+            <a:schemeClr val="accent1"/>
+          </a:effectRef>
+          <a:fontRef idx="minor">
+            <a:schemeClr val="tx1"/>
+          </a:fontRef>
+        </p:style>
+      </p:cxnSp>
+      <p:sp>
+        <p:nvSpPr>
+          <p:cNvPr id="20" name="Text Box 19"/>
+          <p:cNvSpPr txBox="1"/>
+          <p:nvPr/>
+        </p:nvSpPr>
+        <p:spPr>
+          <a:xfrm>
+            <a:off x="3275965" y="2183130"/>
+            <a:ext cx="728980" cy="368300"/>
+          </a:xfrm>
+          <a:prstGeom prst="rect">
+            <a:avLst/>
+          </a:prstGeom>
+          <a:noFill/>
+        </p:spPr>
+        <p:txBody>
+          <a:bodyPr wrap="none" rtlCol="0">
+            <a:spAutoFit/>
+          </a:bodyPr>
+          <a:p>
+            <a:r>
+              <a:rPr lang="en-US"/>
+              <a:t>Invert</a:t>
+            </a:r>
+            <a:endParaRPr lang="en-US"/>
+          </a:p>
+        </p:txBody>
+      </p:sp>
+      <p:sp>
+        <p:nvSpPr>
+          <p:cNvPr id="21" name="Multiply 20"/>
+          <p:cNvSpPr/>
+          <p:nvPr/>
+        </p:nvSpPr>
+        <p:spPr>
+          <a:xfrm>
+            <a:off x="3215005" y="1623695"/>
+            <a:ext cx="375285" cy="375285"/>
+          </a:xfrm>
+          <a:prstGeom prst="mathMultiply">
+            <a:avLst/>
+          </a:prstGeom>
+        </p:spPr>
+        <p:style>
+          <a:lnRef idx="2">
+            <a:schemeClr val="accent1">
+              <a:shade val="50000"/>
+            </a:schemeClr>
+          </a:lnRef>
+          <a:fillRef idx="1">
+            <a:schemeClr val="accent1"/>
+          </a:fillRef>
+          <a:effectRef idx="0">
+            <a:schemeClr val="accent1"/>
+          </a:effectRef>
+          <a:fontRef idx="minor">
+            <a:schemeClr val="lt1"/>
+          </a:fontRef>
+        </p:style>
+        <p:txBody>
+          <a:bodyPr rtlCol="0" anchor="ctr"/>
+          <a:p>
+            <a:pPr algn="ctr"/>
+            <a:endParaRPr lang="en-US"/>
+          </a:p>
+        </p:txBody>
+      </p:sp>
+      <p:sp>
+        <p:nvSpPr>
+          <p:cNvPr id="22" name="Multiply 21"/>
+          <p:cNvSpPr/>
+          <p:nvPr/>
+        </p:nvSpPr>
+        <p:spPr>
+          <a:xfrm>
+            <a:off x="3396615" y="3868420"/>
+            <a:ext cx="375285" cy="375285"/>
+          </a:xfrm>
+          <a:prstGeom prst="mathMultiply">
+            <a:avLst/>
+          </a:prstGeom>
+        </p:spPr>
+        <p:style>
+          <a:lnRef idx="2">
+            <a:schemeClr val="accent1">
+              <a:shade val="50000"/>
+            </a:schemeClr>
+          </a:lnRef>
+          <a:fillRef idx="1">
+            <a:schemeClr val="accent1"/>
+          </a:fillRef>
+          <a:effectRef idx="0">
+            <a:schemeClr val="accent1"/>
+          </a:effectRef>
+          <a:fontRef idx="minor">
+            <a:schemeClr val="lt1"/>
+          </a:fontRef>
+        </p:style>
+        <p:txBody>
+          <a:bodyPr rtlCol="0" anchor="ctr"/>
+          <a:p>
+            <a:pPr algn="ctr"/>
+            <a:endParaRPr lang="en-US"/>
+          </a:p>
+        </p:txBody>
+      </p:sp>
+      <p:cxnSp>
+        <p:nvCxnSpPr>
+          <p:cNvPr id="23" name="Elbow Connector 22"/>
+          <p:cNvCxnSpPr/>
+          <p:nvPr/>
+        </p:nvCxnSpPr>
+        <p:spPr>
+          <a:xfrm>
+            <a:off x="4059555" y="4122420"/>
+            <a:ext cx="557530" cy="3175"/>
+          </a:xfrm>
+          <a:prstGeom prst="bentConnector2">
+            <a:avLst/>
+          </a:prstGeom>
+          <a:ln>
+            <a:tailEnd type="arrow"/>
+          </a:ln>
+        </p:spPr>
+        <p:style>
+          <a:lnRef idx="1">
+            <a:schemeClr val="accent1"/>
+          </a:lnRef>
+          <a:fillRef idx="0">
+            <a:schemeClr val="accent1"/>
+          </a:fillRef>
+          <a:effectRef idx="0">
+            <a:schemeClr val="accent1"/>
+          </a:effectRef>
+          <a:fontRef idx="minor">
+            <a:schemeClr val="tx1"/>
+          </a:fontRef>
+        </p:style>
+      </p:cxnSp>
+      <p:cxnSp>
+        <p:nvCxnSpPr>
+          <p:cNvPr id="24" name="Elbow Connector 23"/>
+          <p:cNvCxnSpPr/>
+          <p:nvPr/>
+        </p:nvCxnSpPr>
+        <p:spPr>
+          <a:xfrm rot="5400000" flipV="1">
+            <a:off x="3211195" y="2321560"/>
+            <a:ext cx="2028190" cy="1107440"/>
+          </a:xfrm>
+          <a:prstGeom prst="bentConnector3">
+            <a:avLst>
+              <a:gd name="adj1" fmla="val 1064"/>
+            </a:avLst>
+          </a:prstGeom>
+          <a:ln>
+            <a:tailEnd type="arrow"/>
+          </a:ln>
+        </p:spPr>
+        <p:style>
+          <a:lnRef idx="1">
+            <a:schemeClr val="accent1"/>
+          </a:lnRef>
+          <a:fillRef idx="0">
+            <a:schemeClr val="accent1"/>
+          </a:fillRef>
+          <a:effectRef idx="0">
+            <a:schemeClr val="accent1"/>
+          </a:effectRef>
+          <a:fontRef idx="minor">
+            <a:schemeClr val="tx1"/>
+          </a:fontRef>
+        </p:style>
+      </p:cxnSp>
+      <p:sp>
+        <p:nvSpPr>
+          <p:cNvPr id="26" name="Plus 25"/>
+          <p:cNvSpPr/>
+          <p:nvPr/>
+        </p:nvSpPr>
+        <p:spPr>
+          <a:xfrm>
+            <a:off x="4673600" y="3985260"/>
+            <a:ext cx="352425" cy="352425"/>
+          </a:xfrm>
+          <a:prstGeom prst="mathPlus">
+            <a:avLst/>
+          </a:prstGeom>
+        </p:spPr>
+        <p:style>
+          <a:lnRef idx="2">
+            <a:schemeClr val="accent1">
+              <a:shade val="50000"/>
+            </a:schemeClr>
+          </a:lnRef>
+          <a:fillRef idx="1">
+            <a:schemeClr val="accent1"/>
+          </a:fillRef>
+          <a:effectRef idx="0">
+            <a:schemeClr val="accent1"/>
+          </a:effectRef>
+          <a:fontRef idx="minor">
+            <a:schemeClr val="lt1"/>
+          </a:fontRef>
+        </p:style>
+        <p:txBody>
+          <a:bodyPr rtlCol="0" anchor="ctr"/>
+          <a:p>
+            <a:pPr algn="ctr"/>
+            <a:endParaRPr lang="en-US"/>
+          </a:p>
+        </p:txBody>
+      </p:sp>
+      <p:cxnSp>
+        <p:nvCxnSpPr>
+          <p:cNvPr id="27" name="Elbow Connector 26"/>
+          <p:cNvCxnSpPr/>
+          <p:nvPr/>
+        </p:nvCxnSpPr>
+        <p:spPr>
+          <a:xfrm rot="16200000">
+            <a:off x="4892040" y="3846195"/>
+            <a:ext cx="587375" cy="207010"/>
+          </a:xfrm>
+          <a:prstGeom prst="bentConnector3">
+            <a:avLst>
+              <a:gd name="adj1" fmla="val 104378"/>
+            </a:avLst>
+          </a:prstGeom>
+          <a:ln>
+            <a:tailEnd type="arrow"/>
+          </a:ln>
+        </p:spPr>
+        <p:style>
+          <a:lnRef idx="1">
+            <a:schemeClr val="accent1"/>
+          </a:lnRef>
+          <a:fillRef idx="0">
+            <a:schemeClr val="accent1"/>
+          </a:fillRef>
+          <a:effectRef idx="0">
+            <a:schemeClr val="accent1"/>
+          </a:effectRef>
+          <a:fontRef idx="minor">
+            <a:schemeClr val="tx1"/>
+          </a:fontRef>
+        </p:style>
+      </p:cxnSp>
+      <p:sp>
+        <p:nvSpPr>
+          <p:cNvPr id="28" name="Rectangles 27"/>
+          <p:cNvSpPr/>
+          <p:nvPr/>
+        </p:nvSpPr>
+        <p:spPr>
+          <a:xfrm>
+            <a:off x="10511155" y="2474595"/>
+            <a:ext cx="1435100" cy="938530"/>
+          </a:xfrm>
+          <a:prstGeom prst="rect">
+            <a:avLst/>
+          </a:prstGeom>
+          <a:ln w="28575">
+            <a:solidFill>
+              <a:schemeClr val="tx1"/>
+            </a:solidFill>
+          </a:ln>
+        </p:spPr>
+        <p:style>
+          <a:lnRef idx="2">
+            <a:schemeClr val="accent6"/>
+          </a:lnRef>
+          <a:fillRef idx="1">
+            <a:schemeClr val="lt1"/>
+          </a:fillRef>
+          <a:effectRef idx="0">
+            <a:schemeClr val="accent6"/>
+          </a:effectRef>
+          <a:fontRef idx="minor">
+            <a:schemeClr val="dk1"/>
+          </a:fontRef>
+        </p:style>
+        <p:txBody>
+          <a:bodyPr rtlCol="0" anchor="ctr"/>
+          <a:p>
+            <a:pPr algn="ctr"/>
+            <a:r>
+              <a:rPr lang="en-US" b="1"/>
+              <a:t>Tearing</a:t>
+            </a:r>
+            <a:endParaRPr lang="en-US" b="1"/>
+          </a:p>
+          <a:p>
+            <a:pPr algn="ctr"/>
+            <a:r>
+              <a:rPr lang="en-US" b="1"/>
+              <a:t>Map</a:t>
+            </a:r>
+            <a:endParaRPr lang="en-US" b="1"/>
+          </a:p>
+        </p:txBody>
+      </p:sp>
+      <p:cxnSp>
+        <p:nvCxnSpPr>
+          <p:cNvPr id="29" name="Elbow Connector 28"/>
+          <p:cNvCxnSpPr/>
+          <p:nvPr/>
+        </p:nvCxnSpPr>
+        <p:spPr>
+          <a:xfrm>
+            <a:off x="2119630" y="5193665"/>
+            <a:ext cx="7762875" cy="1533525"/>
+          </a:xfrm>
+          <a:prstGeom prst="bentConnector3">
+            <a:avLst>
+              <a:gd name="adj1" fmla="val 50004"/>
+            </a:avLst>
+          </a:prstGeom>
+          <a:ln>
+            <a:tailEnd type="arrow" w="med" len="med"/>
+          </a:ln>
+        </p:spPr>
+        <p:style>
+          <a:lnRef idx="3">
+            <a:schemeClr val="dk1"/>
+          </a:lnRef>
+          <a:fillRef idx="0">
+            <a:schemeClr val="dk1"/>
+          </a:fillRef>
+          <a:effectRef idx="2">
+            <a:schemeClr val="dk1"/>
+          </a:effectRef>
+          <a:fontRef idx="minor">
+            <a:schemeClr val="tx1"/>
+          </a:fontRef>
+        </p:style>
+      </p:cxnSp>
+      <p:sp>
+        <p:nvSpPr>
+          <p:cNvPr id="30" name="Rectangles 29"/>
+          <p:cNvSpPr/>
+          <p:nvPr/>
+        </p:nvSpPr>
+        <p:spPr>
+          <a:xfrm>
+            <a:off x="7599680" y="53975"/>
+            <a:ext cx="1924685" cy="1143000"/>
+          </a:xfrm>
+          <a:prstGeom prst="rect">
+            <a:avLst/>
+          </a:prstGeom>
+          <a:ln w="28575">
+            <a:solidFill>
+              <a:schemeClr val="tx1"/>
+            </a:solidFill>
+          </a:ln>
+        </p:spPr>
+        <p:style>
+          <a:lnRef idx="2">
+            <a:schemeClr val="accent6"/>
+          </a:lnRef>
+          <a:fillRef idx="1">
+            <a:schemeClr val="lt1"/>
+          </a:fillRef>
+          <a:effectRef idx="0">
+            <a:schemeClr val="accent6"/>
+          </a:effectRef>
+          <a:fontRef idx="minor">
+            <a:schemeClr val="dk1"/>
+          </a:fontRef>
+        </p:style>
+        <p:txBody>
+          <a:bodyPr rtlCol="0" anchor="ctr"/>
+          <a:p>
+            <a:pPr algn="ctr"/>
+            <a:r>
+              <a:rPr lang="en-US" b="1"/>
+              <a:t>Raw</a:t>
+            </a:r>
+            <a:endParaRPr lang="en-US" b="1"/>
+          </a:p>
+          <a:p>
+            <a:pPr algn="ctr"/>
+            <a:r>
+              <a:rPr lang="en-US" b="1"/>
+              <a:t>Depth map</a:t>
+            </a:r>
+            <a:endParaRPr lang="en-US" b="1"/>
+          </a:p>
+        </p:txBody>
+      </p:sp>
+      <p:sp>
+        <p:nvSpPr>
+          <p:cNvPr id="31" name="Rectangles 30"/>
+          <p:cNvSpPr/>
+          <p:nvPr/>
+        </p:nvSpPr>
+        <p:spPr>
+          <a:xfrm>
+            <a:off x="201295" y="149225"/>
+            <a:ext cx="1959610" cy="471805"/>
+          </a:xfrm>
+          <a:prstGeom prst="rect">
+            <a:avLst/>
+          </a:prstGeom>
+          <a:ln w="28575">
+            <a:solidFill>
+              <a:schemeClr val="tx1"/>
+            </a:solidFill>
+          </a:ln>
+        </p:spPr>
+        <p:style>
+          <a:lnRef idx="2">
+            <a:schemeClr val="accent6"/>
+          </a:lnRef>
+          <a:fillRef idx="1">
+            <a:schemeClr val="lt1"/>
+          </a:fillRef>
+          <a:effectRef idx="0">
+            <a:schemeClr val="accent6"/>
+          </a:effectRef>
+          <a:fontRef idx="minor">
+            <a:schemeClr val="dk1"/>
+          </a:fontRef>
+        </p:style>
+        <p:txBody>
+          <a:bodyPr rtlCol="0" anchor="ctr"/>
+          <a:p>
+            <a:pPr algn="ctr"/>
+            <a:r>
+              <a:rPr lang="pt-PT" altLang="en-US" b="1"/>
+              <a:t>Href</a:t>
+            </a:r>
+            <a:endParaRPr lang="pt-PT" altLang="en-US" b="1"/>
+          </a:p>
+        </p:txBody>
+      </p:sp>
+      <p:sp>
+        <p:nvSpPr>
+          <p:cNvPr id="33" name="Rectangles 32"/>
+          <p:cNvSpPr/>
+          <p:nvPr/>
+        </p:nvSpPr>
+        <p:spPr>
+          <a:xfrm>
+            <a:off x="5304155" y="3231515"/>
+            <a:ext cx="1427480" cy="1068070"/>
+          </a:xfrm>
+          <a:prstGeom prst="rect">
+            <a:avLst/>
+          </a:prstGeom>
+          <a:ln w="28575">
+            <a:solidFill>
+              <a:schemeClr val="tx1"/>
+            </a:solidFill>
+          </a:ln>
+        </p:spPr>
+        <p:style>
+          <a:lnRef idx="2">
+            <a:schemeClr val="accent6"/>
+          </a:lnRef>
+          <a:fillRef idx="1">
+            <a:schemeClr val="lt1"/>
+          </a:fillRef>
+          <a:effectRef idx="0">
+            <a:schemeClr val="accent6"/>
+          </a:effectRef>
+          <a:fontRef idx="minor">
+            <a:schemeClr val="dk1"/>
+          </a:fontRef>
+        </p:style>
+        <p:txBody>
+          <a:bodyPr rtlCol="0" anchor="ctr"/>
+          <a:p>
+            <a:pPr algn="ctr"/>
+            <a:r>
+              <a:rPr lang="en-US" b="1"/>
+              <a:t>Worn</a:t>
+            </a:r>
+            <a:endParaRPr lang="en-US" b="1"/>
+          </a:p>
+          <a:p>
+            <a:pPr algn="ctr"/>
+            <a:r>
+              <a:rPr lang="en-US" b="1"/>
+              <a:t>Membrane</a:t>
+            </a:r>
+            <a:endParaRPr lang="en-US" b="1"/>
+          </a:p>
+          <a:p>
+            <a:pPr algn="ctr"/>
+            <a:r>
+              <a:rPr lang="en-US" b="1"/>
+              <a:t>Background </a:t>
+            </a:r>
+            <a:endParaRPr lang="en-US" b="1"/>
+          </a:p>
+        </p:txBody>
+      </p:sp>
+      <p:sp>
+        <p:nvSpPr>
+          <p:cNvPr id="34" name="Rectangles 33"/>
+          <p:cNvSpPr/>
+          <p:nvPr/>
+        </p:nvSpPr>
+        <p:spPr>
+          <a:xfrm>
+            <a:off x="7599680" y="1426210"/>
+            <a:ext cx="1943100" cy="987425"/>
+          </a:xfrm>
+          <a:prstGeom prst="rect">
+            <a:avLst/>
+          </a:prstGeom>
+          <a:ln w="28575">
+            <a:solidFill>
+              <a:schemeClr val="tx1"/>
+            </a:solidFill>
+          </a:ln>
+        </p:spPr>
+        <p:style>
+          <a:lnRef idx="2">
+            <a:schemeClr val="accent6"/>
+          </a:lnRef>
+          <a:fillRef idx="1">
+            <a:schemeClr val="lt1"/>
+          </a:fillRef>
+          <a:effectRef idx="0">
+            <a:schemeClr val="accent6"/>
+          </a:effectRef>
+          <a:fontRef idx="minor">
+            <a:schemeClr val="dk1"/>
+          </a:fontRef>
+        </p:style>
+        <p:txBody>
+          <a:bodyPr rtlCol="0" anchor="ctr"/>
+          <a:p>
+            <a:pPr algn="ctr"/>
+            <a:r>
+              <a:rPr lang="en-US" b="1"/>
+              <a:t>Elastomer</a:t>
+            </a:r>
+            <a:endParaRPr lang="en-US" b="1"/>
+          </a:p>
+          <a:p>
+            <a:pPr algn="ctr"/>
+            <a:r>
+              <a:rPr lang="en-US" b="1"/>
+              <a:t>Deformation</a:t>
+            </a:r>
+            <a:endParaRPr lang="en-US" b="1"/>
+          </a:p>
+        </p:txBody>
+      </p:sp>
+      <p:sp>
+        <p:nvSpPr>
+          <p:cNvPr id="35" name="Rectangles 34"/>
+          <p:cNvSpPr/>
+          <p:nvPr/>
+        </p:nvSpPr>
+        <p:spPr>
+          <a:xfrm>
+            <a:off x="7599680" y="3283585"/>
+            <a:ext cx="1943100" cy="987425"/>
+          </a:xfrm>
+          <a:prstGeom prst="rect">
+            <a:avLst/>
+          </a:prstGeom>
+          <a:ln w="28575">
+            <a:solidFill>
+              <a:schemeClr val="tx1"/>
+            </a:solidFill>
+          </a:ln>
+        </p:spPr>
+        <p:style>
+          <a:lnRef idx="2">
+            <a:schemeClr val="accent6"/>
+          </a:lnRef>
+          <a:fillRef idx="1">
+            <a:schemeClr val="lt1"/>
+          </a:fillRef>
+          <a:effectRef idx="0">
+            <a:schemeClr val="accent6"/>
+          </a:effectRef>
+          <a:fontRef idx="minor">
+            <a:schemeClr val="dk1"/>
+          </a:fontRef>
+        </p:style>
+        <p:txBody>
+          <a:bodyPr rtlCol="0" anchor="ctr"/>
+          <a:p>
+            <a:pPr algn="ctr"/>
+            <a:r>
+              <a:rPr lang="en-US" b="1"/>
+              <a:t>Diffuse</a:t>
+            </a:r>
+            <a:endParaRPr lang="en-US" b="1"/>
+          </a:p>
+          <a:p>
+            <a:pPr algn="ctr"/>
+            <a:r>
+              <a:rPr lang="en-US" b="1"/>
+              <a:t>and Specular</a:t>
+            </a:r>
+            <a:endParaRPr lang="en-US" b="1"/>
+          </a:p>
+          <a:p>
+            <a:pPr algn="ctr"/>
+            <a:r>
+              <a:rPr lang="en-US" b="1"/>
+              <a:t>Illumination</a:t>
+            </a:r>
+            <a:endParaRPr lang="en-US" b="1"/>
+          </a:p>
+        </p:txBody>
+      </p:sp>
+      <p:cxnSp>
+        <p:nvCxnSpPr>
+          <p:cNvPr id="36" name="Elbow Connector 35"/>
+          <p:cNvCxnSpPr>
+            <a:stCxn id="28" idx="1"/>
+          </p:cNvCxnSpPr>
+          <p:nvPr/>
+        </p:nvCxnSpPr>
+        <p:spPr>
+          <a:xfrm rot="10800000" flipV="1">
+            <a:off x="9180195" y="2943225"/>
+            <a:ext cx="1330325" cy="104775"/>
+          </a:xfrm>
+          <a:prstGeom prst="bentConnector3">
+            <a:avLst>
+              <a:gd name="adj1" fmla="val 49976"/>
+            </a:avLst>
+          </a:prstGeom>
+          <a:ln>
+            <a:tailEnd type="arrow"/>
+          </a:ln>
+        </p:spPr>
+        <p:style>
+          <a:lnRef idx="1">
+            <a:schemeClr val="accent1"/>
+          </a:lnRef>
+          <a:fillRef idx="0">
+            <a:schemeClr val="accent1"/>
+          </a:fillRef>
+          <a:effectRef idx="0">
+            <a:schemeClr val="accent1"/>
+          </a:effectRef>
+          <a:fontRef idx="minor">
+            <a:schemeClr val="tx1"/>
+          </a:fontRef>
+        </p:style>
+      </p:cxnSp>
+      <p:sp>
+        <p:nvSpPr>
+          <p:cNvPr id="37" name="Multiply 36"/>
+          <p:cNvSpPr/>
+          <p:nvPr/>
+        </p:nvSpPr>
+        <p:spPr>
+          <a:xfrm>
+            <a:off x="8390890" y="2713355"/>
+            <a:ext cx="375285" cy="375285"/>
+          </a:xfrm>
+          <a:prstGeom prst="mathMultiply">
+            <a:avLst/>
+          </a:prstGeom>
+        </p:spPr>
+        <p:style>
+          <a:lnRef idx="2">
+            <a:schemeClr val="accent1">
+              <a:shade val="50000"/>
+            </a:schemeClr>
+          </a:lnRef>
+          <a:fillRef idx="1">
+            <a:schemeClr val="accent1"/>
+          </a:fillRef>
+          <a:effectRef idx="0">
+            <a:schemeClr val="accent1"/>
+          </a:effectRef>
+          <a:fontRef idx="minor">
+            <a:schemeClr val="lt1"/>
+          </a:fontRef>
+        </p:style>
+        <p:txBody>
+          <a:bodyPr rtlCol="0" anchor="ctr"/>
+          <a:p>
+            <a:pPr algn="ctr"/>
+            <a:endParaRPr lang="en-US"/>
+          </a:p>
+        </p:txBody>
+      </p:sp>
+      <p:cxnSp>
+        <p:nvCxnSpPr>
+          <p:cNvPr id="38" name="Elbow Connector 37"/>
+          <p:cNvCxnSpPr/>
+          <p:nvPr/>
+        </p:nvCxnSpPr>
+        <p:spPr>
+          <a:xfrm rot="5400000">
+            <a:off x="8425815" y="2562225"/>
+            <a:ext cx="300355" cy="3175"/>
+          </a:xfrm>
+          <a:prstGeom prst="bentConnector3">
+            <a:avLst>
+              <a:gd name="adj1" fmla="val 50106"/>
+            </a:avLst>
+          </a:prstGeom>
+          <a:ln>
+            <a:tailEnd type="arrow"/>
+          </a:ln>
+        </p:spPr>
+        <p:style>
+          <a:lnRef idx="1">
+            <a:schemeClr val="accent1"/>
+          </a:lnRef>
+          <a:fillRef idx="0">
+            <a:schemeClr val="accent1"/>
+          </a:fillRef>
+          <a:effectRef idx="0">
+            <a:schemeClr val="accent1"/>
+          </a:effectRef>
+          <a:fontRef idx="minor">
+            <a:schemeClr val="tx1"/>
+          </a:fontRef>
+        </p:style>
+      </p:cxnSp>
+      <p:cxnSp>
+        <p:nvCxnSpPr>
+          <p:cNvPr id="40" name="Elbow Connector 39"/>
+          <p:cNvCxnSpPr/>
+          <p:nvPr/>
+        </p:nvCxnSpPr>
+        <p:spPr>
+          <a:xfrm rot="5400000">
+            <a:off x="8401685" y="3109595"/>
+            <a:ext cx="352425" cy="3175"/>
+          </a:xfrm>
+          <a:prstGeom prst="bentConnector3">
+            <a:avLst>
+              <a:gd name="adj1" fmla="val 50090"/>
+            </a:avLst>
+          </a:prstGeom>
+          <a:ln>
+            <a:tailEnd type="arrow"/>
+          </a:ln>
+        </p:spPr>
+        <p:style>
+          <a:lnRef idx="1">
+            <a:schemeClr val="accent1"/>
+          </a:lnRef>
+          <a:fillRef idx="0">
+            <a:schemeClr val="accent1"/>
+          </a:fillRef>
+          <a:effectRef idx="0">
+            <a:schemeClr val="accent1"/>
+          </a:effectRef>
+          <a:fontRef idx="minor">
+            <a:schemeClr val="tx1"/>
+          </a:fontRef>
+        </p:style>
+      </p:cxnSp>
+      <p:cxnSp>
+        <p:nvCxnSpPr>
+          <p:cNvPr id="42" name="Elbow Connector 41"/>
+          <p:cNvCxnSpPr/>
+          <p:nvPr/>
+        </p:nvCxnSpPr>
+        <p:spPr>
+          <a:xfrm rot="5400000">
+            <a:off x="7574280" y="4375150"/>
+            <a:ext cx="372110" cy="368300"/>
+          </a:xfrm>
+          <a:prstGeom prst="bentConnector3">
+            <a:avLst>
+              <a:gd name="adj1" fmla="val 50171"/>
+            </a:avLst>
+          </a:prstGeom>
+          <a:ln>
+            <a:tailEnd type="arrow"/>
+          </a:ln>
+        </p:spPr>
+        <p:style>
+          <a:lnRef idx="1">
+            <a:schemeClr val="accent1"/>
+          </a:lnRef>
+          <a:fillRef idx="0">
+            <a:schemeClr val="accent1"/>
+          </a:fillRef>
+          <a:effectRef idx="0">
+            <a:schemeClr val="accent1"/>
+          </a:effectRef>
+          <a:fontRef idx="minor">
+            <a:schemeClr val="tx1"/>
+          </a:fontRef>
+        </p:style>
+      </p:cxnSp>
+      <p:cxnSp>
+        <p:nvCxnSpPr>
+          <p:cNvPr id="45" name="Elbow Connector 44"/>
+          <p:cNvCxnSpPr>
+            <a:endCxn id="54" idx="1"/>
+          </p:cNvCxnSpPr>
+          <p:nvPr/>
+        </p:nvCxnSpPr>
+        <p:spPr>
+          <a:xfrm rot="5400000">
+            <a:off x="9685655" y="3644900"/>
+            <a:ext cx="1576705" cy="901065"/>
+          </a:xfrm>
+          <a:prstGeom prst="bentConnector3">
+            <a:avLst>
+              <a:gd name="adj1" fmla="val 47161"/>
+            </a:avLst>
+          </a:prstGeom>
+          <a:ln>
+            <a:tailEnd type="arrow"/>
+          </a:ln>
+        </p:spPr>
+        <p:style>
+          <a:lnRef idx="1">
+            <a:schemeClr val="accent1"/>
+          </a:lnRef>
+          <a:fillRef idx="0">
+            <a:schemeClr val="accent1"/>
+          </a:fillRef>
+          <a:effectRef idx="0">
+            <a:schemeClr val="accent1"/>
+          </a:effectRef>
+          <a:fontRef idx="minor">
+            <a:schemeClr val="tx1"/>
+          </a:fontRef>
+        </p:style>
+      </p:cxnSp>
+      <p:cxnSp>
+        <p:nvCxnSpPr>
+          <p:cNvPr id="46" name="Elbow Connector 45"/>
+          <p:cNvCxnSpPr>
+            <a:endCxn id="51" idx="1"/>
+          </p:cNvCxnSpPr>
+          <p:nvPr/>
+        </p:nvCxnSpPr>
+        <p:spPr>
+          <a:xfrm rot="10800000" flipV="1">
+            <a:off x="8858885" y="4507865"/>
+            <a:ext cx="1142365" cy="327660"/>
+          </a:xfrm>
+          <a:prstGeom prst="bentConnector2">
+            <a:avLst/>
+          </a:prstGeom>
+          <a:ln>
+            <a:tailEnd type="arrow"/>
+          </a:ln>
+        </p:spPr>
+        <p:style>
+          <a:lnRef idx="1">
+            <a:schemeClr val="accent1"/>
+          </a:lnRef>
+          <a:fillRef idx="0">
+            <a:schemeClr val="accent1"/>
+          </a:fillRef>
+          <a:effectRef idx="0">
+            <a:schemeClr val="accent1"/>
+          </a:effectRef>
+          <a:fontRef idx="minor">
+            <a:schemeClr val="tx1"/>
+          </a:fontRef>
+        </p:style>
+      </p:cxnSp>
+      <p:sp>
+        <p:nvSpPr>
+          <p:cNvPr id="47" name="Rectangles 46"/>
+          <p:cNvSpPr/>
+          <p:nvPr/>
+        </p:nvSpPr>
+        <p:spPr>
+          <a:xfrm>
+            <a:off x="8157210" y="5741035"/>
+            <a:ext cx="1470025" cy="721995"/>
+          </a:xfrm>
+          <a:prstGeom prst="rect">
+            <a:avLst/>
+          </a:prstGeom>
+          <a:ln w="28575">
+            <a:solidFill>
+              <a:schemeClr val="tx1"/>
+            </a:solidFill>
+          </a:ln>
+        </p:spPr>
+        <p:style>
+          <a:lnRef idx="2">
+            <a:schemeClr val="accent6"/>
+          </a:lnRef>
+          <a:fillRef idx="1">
+            <a:schemeClr val="lt1"/>
+          </a:fillRef>
+          <a:effectRef idx="0">
+            <a:schemeClr val="accent6"/>
+          </a:effectRef>
+          <a:fontRef idx="minor">
+            <a:schemeClr val="dk1"/>
+          </a:fontRef>
+        </p:style>
+        <p:txBody>
+          <a:bodyPr rtlCol="0" anchor="ctr"/>
+          <a:p>
+            <a:pPr algn="ctr"/>
+            <a:r>
+              <a:rPr lang="en-US" b="1"/>
+              <a:t>Tactile </a:t>
+            </a:r>
+            <a:endParaRPr lang="en-US" b="1"/>
+          </a:p>
+          <a:p>
+            <a:pPr algn="ctr"/>
+            <a:r>
+              <a:rPr lang="en-US" b="1"/>
+              <a:t>Image</a:t>
+            </a:r>
+            <a:endParaRPr lang="en-US" b="1"/>
+          </a:p>
+        </p:txBody>
+      </p:sp>
+      <p:cxnSp>
+        <p:nvCxnSpPr>
+          <p:cNvPr id="48" name="Elbow Connector 47"/>
+          <p:cNvCxnSpPr/>
+          <p:nvPr/>
+        </p:nvCxnSpPr>
+        <p:spPr>
+          <a:xfrm>
+            <a:off x="6029325" y="4315460"/>
+            <a:ext cx="822325" cy="325120"/>
+          </a:xfrm>
+          <a:prstGeom prst="bentConnector3">
+            <a:avLst>
+              <a:gd name="adj1" fmla="val 50039"/>
+            </a:avLst>
+          </a:prstGeom>
+          <a:ln>
+            <a:tailEnd type="arrow"/>
+          </a:ln>
+        </p:spPr>
+        <p:style>
+          <a:lnRef idx="1">
+            <a:schemeClr val="accent1"/>
+          </a:lnRef>
+          <a:fillRef idx="0">
+            <a:schemeClr val="accent1"/>
+          </a:fillRef>
+          <a:effectRef idx="0">
+            <a:schemeClr val="accent1"/>
+          </a:effectRef>
+          <a:fontRef idx="minor">
+            <a:schemeClr val="tx1"/>
+          </a:fontRef>
+        </p:style>
+      </p:cxnSp>
+      <p:sp>
+        <p:nvSpPr>
+          <p:cNvPr id="49" name="Plus 48"/>
+          <p:cNvSpPr/>
+          <p:nvPr/>
+        </p:nvSpPr>
+        <p:spPr>
+          <a:xfrm>
+            <a:off x="7397115" y="4745355"/>
+            <a:ext cx="352425" cy="352425"/>
+          </a:xfrm>
+          <a:prstGeom prst="mathPlus">
+            <a:avLst/>
+          </a:prstGeom>
+        </p:spPr>
+        <p:style>
+          <a:lnRef idx="2">
+            <a:schemeClr val="accent1">
+              <a:shade val="50000"/>
+            </a:schemeClr>
+          </a:lnRef>
+          <a:fillRef idx="1">
+            <a:schemeClr val="accent1"/>
+          </a:fillRef>
+          <a:effectRef idx="0">
+            <a:schemeClr val="accent1"/>
+          </a:effectRef>
+          <a:fontRef idx="minor">
+            <a:schemeClr val="lt1"/>
+          </a:fontRef>
+        </p:style>
+        <p:txBody>
+          <a:bodyPr rtlCol="0" anchor="ctr"/>
+          <a:p>
+            <a:pPr algn="ctr"/>
+            <a:endParaRPr lang="en-US"/>
+          </a:p>
+        </p:txBody>
+      </p:sp>
+      <p:cxnSp>
+        <p:nvCxnSpPr>
+          <p:cNvPr id="50" name="Elbow Connector 49"/>
+          <p:cNvCxnSpPr/>
+          <p:nvPr/>
+        </p:nvCxnSpPr>
+        <p:spPr>
+          <a:xfrm flipV="1">
+            <a:off x="7802245" y="4924425"/>
+            <a:ext cx="588645" cy="17780"/>
+          </a:xfrm>
+          <a:prstGeom prst="bentConnector3">
+            <a:avLst>
+              <a:gd name="adj1" fmla="val 50054"/>
+            </a:avLst>
+          </a:prstGeom>
+          <a:ln>
+            <a:tailEnd type="arrow"/>
+          </a:ln>
+        </p:spPr>
+        <p:style>
+          <a:lnRef idx="1">
+            <a:schemeClr val="accent1"/>
+          </a:lnRef>
+          <a:fillRef idx="0">
+            <a:schemeClr val="accent1"/>
+          </a:fillRef>
+          <a:effectRef idx="0">
+            <a:schemeClr val="accent1"/>
+          </a:effectRef>
+          <a:fontRef idx="minor">
+            <a:schemeClr val="tx1"/>
+          </a:fontRef>
+        </p:style>
+      </p:cxnSp>
+      <p:sp>
+        <p:nvSpPr>
+          <p:cNvPr id="51" name="Multiply 50"/>
+          <p:cNvSpPr/>
+          <p:nvPr/>
+        </p:nvSpPr>
+        <p:spPr>
+          <a:xfrm>
+            <a:off x="8574405" y="4745355"/>
+            <a:ext cx="375285" cy="375285"/>
+          </a:xfrm>
+          <a:prstGeom prst="mathMultiply">
+            <a:avLst/>
+          </a:prstGeom>
+        </p:spPr>
+        <p:style>
+          <a:lnRef idx="2">
+            <a:schemeClr val="accent1">
+              <a:shade val="50000"/>
+            </a:schemeClr>
+          </a:lnRef>
+          <a:fillRef idx="1">
+            <a:schemeClr val="accent1"/>
+          </a:fillRef>
+          <a:effectRef idx="0">
+            <a:schemeClr val="accent1"/>
+          </a:effectRef>
+          <a:fontRef idx="minor">
+            <a:schemeClr val="lt1"/>
+          </a:fontRef>
+        </p:style>
+        <p:txBody>
+          <a:bodyPr rtlCol="0" anchor="ctr"/>
+          <a:p>
+            <a:pPr algn="ctr"/>
+            <a:endParaRPr lang="en-US"/>
+          </a:p>
+        </p:txBody>
+      </p:sp>
+      <p:sp>
+        <p:nvSpPr>
+          <p:cNvPr id="52" name="Text Box 51"/>
+          <p:cNvSpPr txBox="1"/>
+          <p:nvPr/>
+        </p:nvSpPr>
+        <p:spPr>
+          <a:xfrm>
+            <a:off x="9166225" y="4506595"/>
+            <a:ext cx="716280" cy="368300"/>
+          </a:xfrm>
+          <a:prstGeom prst="rect">
+            <a:avLst/>
+          </a:prstGeom>
+          <a:noFill/>
+        </p:spPr>
+        <p:txBody>
+          <a:bodyPr wrap="none" rtlCol="0">
+            <a:spAutoFit/>
+          </a:bodyPr>
+          <a:p>
+            <a:r>
+              <a:rPr lang="en-US"/>
+              <a:t>invert</a:t>
+            </a:r>
+            <a:endParaRPr lang="en-US"/>
+          </a:p>
+        </p:txBody>
+      </p:sp>
+      <p:sp>
+        <p:nvSpPr>
+          <p:cNvPr id="54" name="Multiply 53"/>
+          <p:cNvSpPr/>
+          <p:nvPr/>
+        </p:nvSpPr>
+        <p:spPr>
+          <a:xfrm>
+            <a:off x="9738360" y="4794250"/>
+            <a:ext cx="375285" cy="375285"/>
+          </a:xfrm>
+          <a:prstGeom prst="mathMultiply">
+            <a:avLst/>
+          </a:prstGeom>
+        </p:spPr>
+        <p:style>
+          <a:lnRef idx="2">
+            <a:schemeClr val="accent1">
+              <a:shade val="50000"/>
+            </a:schemeClr>
+          </a:lnRef>
+          <a:fillRef idx="1">
+            <a:schemeClr val="accent1"/>
+          </a:fillRef>
+          <a:effectRef idx="0">
+            <a:schemeClr val="accent1"/>
+          </a:effectRef>
+          <a:fontRef idx="minor">
+            <a:schemeClr val="lt1"/>
+          </a:fontRef>
+        </p:style>
+        <p:txBody>
+          <a:bodyPr rtlCol="0" anchor="ctr"/>
+          <a:p>
+            <a:pPr algn="ctr"/>
+            <a:endParaRPr lang="en-US"/>
+          </a:p>
+        </p:txBody>
+      </p:sp>
+      <p:cxnSp>
+        <p:nvCxnSpPr>
+          <p:cNvPr id="55" name="Elbow Connector 54"/>
+          <p:cNvCxnSpPr/>
+          <p:nvPr/>
+        </p:nvCxnSpPr>
+        <p:spPr>
+          <a:xfrm rot="16200000" flipV="1">
+            <a:off x="9126220" y="5781675"/>
+            <a:ext cx="1842770" cy="48895"/>
+          </a:xfrm>
+          <a:prstGeom prst="bentConnector5">
+            <a:avLst>
+              <a:gd name="adj1" fmla="val 465"/>
+              <a:gd name="adj2" fmla="val -570779"/>
+              <a:gd name="adj3" fmla="val 95296"/>
+            </a:avLst>
+          </a:prstGeom>
+          <a:ln>
+            <a:tailEnd type="arrow"/>
+          </a:ln>
+        </p:spPr>
+        <p:style>
+          <a:lnRef idx="1">
+            <a:schemeClr val="accent1"/>
+          </a:lnRef>
+          <a:fillRef idx="0">
+            <a:schemeClr val="accent1"/>
+          </a:fillRef>
+          <a:effectRef idx="0">
+            <a:schemeClr val="accent1"/>
+          </a:effectRef>
+          <a:fontRef idx="minor">
+            <a:schemeClr val="tx1"/>
+          </a:fontRef>
+        </p:style>
+      </p:cxnSp>
+      <p:sp>
+        <p:nvSpPr>
+          <p:cNvPr id="56" name="Plus 55"/>
+          <p:cNvSpPr/>
+          <p:nvPr/>
+        </p:nvSpPr>
+        <p:spPr>
+          <a:xfrm>
+            <a:off x="8949690" y="5254625"/>
+            <a:ext cx="352425" cy="352425"/>
+          </a:xfrm>
+          <a:prstGeom prst="mathPlus">
+            <a:avLst/>
+          </a:prstGeom>
+        </p:spPr>
+        <p:style>
+          <a:lnRef idx="2">
+            <a:schemeClr val="accent1">
+              <a:shade val="50000"/>
+            </a:schemeClr>
+          </a:lnRef>
+          <a:fillRef idx="1">
+            <a:schemeClr val="accent1"/>
+          </a:fillRef>
+          <a:effectRef idx="0">
+            <a:schemeClr val="accent1"/>
+          </a:effectRef>
+          <a:fontRef idx="minor">
+            <a:schemeClr val="lt1"/>
+          </a:fontRef>
+        </p:style>
+        <p:txBody>
+          <a:bodyPr rtlCol="0" anchor="ctr"/>
+          <a:p>
+            <a:pPr algn="ctr"/>
+            <a:endParaRPr lang="en-US"/>
+          </a:p>
+        </p:txBody>
+      </p:sp>
+      <p:cxnSp>
+        <p:nvCxnSpPr>
+          <p:cNvPr id="57" name="Elbow Connector 56"/>
+          <p:cNvCxnSpPr/>
+          <p:nvPr/>
+        </p:nvCxnSpPr>
+        <p:spPr>
+          <a:xfrm rot="5400000" flipV="1">
+            <a:off x="8742045" y="4907280"/>
+            <a:ext cx="481330" cy="433705"/>
+          </a:xfrm>
+          <a:prstGeom prst="bentConnector3">
+            <a:avLst>
+              <a:gd name="adj1" fmla="val 50066"/>
+            </a:avLst>
+          </a:prstGeom>
+          <a:ln>
+            <a:tailEnd type="arrow"/>
+          </a:ln>
+        </p:spPr>
+        <p:style>
+          <a:lnRef idx="1">
+            <a:schemeClr val="accent1"/>
+          </a:lnRef>
+          <a:fillRef idx="0">
+            <a:schemeClr val="accent1"/>
+          </a:fillRef>
+          <a:effectRef idx="0">
+            <a:schemeClr val="accent1"/>
+          </a:effectRef>
+          <a:fontRef idx="minor">
+            <a:schemeClr val="tx1"/>
+          </a:fontRef>
+        </p:style>
+      </p:cxnSp>
+      <p:cxnSp>
+        <p:nvCxnSpPr>
+          <p:cNvPr id="58" name="Elbow Connector 57"/>
+          <p:cNvCxnSpPr>
+            <a:stCxn id="54" idx="3"/>
+          </p:cNvCxnSpPr>
+          <p:nvPr/>
+        </p:nvCxnSpPr>
+        <p:spPr>
+          <a:xfrm rot="5400000">
+            <a:off x="9371330" y="5034915"/>
+            <a:ext cx="412750" cy="501650"/>
+          </a:xfrm>
+          <a:prstGeom prst="bentConnector2">
+            <a:avLst/>
+          </a:prstGeom>
+          <a:ln>
+            <a:tailEnd type="arrow"/>
+          </a:ln>
+        </p:spPr>
+        <p:style>
+          <a:lnRef idx="1">
+            <a:schemeClr val="accent1"/>
+          </a:lnRef>
+          <a:fillRef idx="0">
+            <a:schemeClr val="accent1"/>
+          </a:fillRef>
+          <a:effectRef idx="0">
+            <a:schemeClr val="accent1"/>
+          </a:effectRef>
+          <a:fontRef idx="minor">
+            <a:schemeClr val="tx1"/>
+          </a:fontRef>
+        </p:style>
+      </p:cxnSp>
+      <p:sp>
+        <p:nvSpPr>
+          <p:cNvPr id="2" name="Text Box 1"/>
+          <p:cNvSpPr txBox="1"/>
+          <p:nvPr/>
+        </p:nvSpPr>
+        <p:spPr>
+          <a:xfrm>
+            <a:off x="3771900" y="4535170"/>
+            <a:ext cx="2868930" cy="460375"/>
+          </a:xfrm>
+          <a:prstGeom prst="rect">
+            <a:avLst/>
+          </a:prstGeom>
+          <a:noFill/>
+        </p:spPr>
+        <p:txBody>
+          <a:bodyPr wrap="none" rtlCol="0">
+            <a:spAutoFit/>
+          </a:bodyPr>
+          <a:p>
+            <a:r>
+              <a:rPr lang="pt-PT" altLang="en-US" sz="1200"/>
+              <a:t>Making the membrane semi-transparent </a:t>
+            </a:r>
+            <a:endParaRPr lang="pt-PT" altLang="en-US" sz="1200"/>
+          </a:p>
+          <a:p>
+            <a:r>
+              <a:rPr lang="pt-PT" altLang="en-US" sz="1200"/>
+              <a:t>due to wear, by merging with “visual” RGB</a:t>
+            </a:r>
+            <a:endParaRPr lang="pt-PT" altLang="en-US" sz="1200"/>
+          </a:p>
+        </p:txBody>
+      </p:sp>
+      <p:sp>
+        <p:nvSpPr>
+          <p:cNvPr id="3" name="Text Box 2"/>
+          <p:cNvSpPr txBox="1"/>
+          <p:nvPr/>
+        </p:nvSpPr>
+        <p:spPr>
+          <a:xfrm>
+            <a:off x="10410825" y="4243705"/>
+            <a:ext cx="1681480" cy="2122805"/>
+          </a:xfrm>
+          <a:prstGeom prst="rect">
+            <a:avLst/>
+          </a:prstGeom>
+          <a:noFill/>
+        </p:spPr>
+        <p:txBody>
+          <a:bodyPr wrap="square" rtlCol="0">
+            <a:spAutoFit/>
+          </a:bodyPr>
+          <a:p>
+            <a:r>
+              <a:rPr lang="pt-PT" altLang="en-US" sz="1200"/>
+              <a:t>“cutting” the membrane due to tear</a:t>
+            </a:r>
+            <a:endParaRPr lang="pt-PT" altLang="en-US" sz="1200"/>
+          </a:p>
+          <a:p>
+            <a:r>
+              <a:rPr lang="pt-PT" altLang="en-US" sz="1200"/>
+              <a:t>    1 - “cutting” the depth  map so that edges of the cut get illuminated</a:t>
+            </a:r>
+            <a:endParaRPr lang="pt-PT" altLang="en-US" sz="1200"/>
+          </a:p>
+          <a:p>
+            <a:r>
+              <a:rPr lang="pt-PT" altLang="en-US" sz="1200"/>
+              <a:t>    2 - fully “cut” the  tactile image and merge with RGB (as the elastomer was removed by the cut)</a:t>
+            </a:r>
+            <a:endParaRPr lang="pt-PT" altLang="en-US" sz="1200"/>
+          </a:p>
+        </p:txBody>
+      </p:sp>
+      <p:sp>
+        <p:nvSpPr>
+          <p:cNvPr id="4" name="Rectangles 3"/>
+          <p:cNvSpPr/>
+          <p:nvPr/>
+        </p:nvSpPr>
+        <p:spPr>
+          <a:xfrm>
+            <a:off x="201295" y="1093470"/>
+            <a:ext cx="1959610" cy="471805"/>
+          </a:xfrm>
+          <a:prstGeom prst="rect">
+            <a:avLst/>
+          </a:prstGeom>
+          <a:ln w="28575">
+            <a:solidFill>
+              <a:schemeClr val="tx1"/>
+            </a:solidFill>
+          </a:ln>
+        </p:spPr>
+        <p:style>
+          <a:lnRef idx="2">
+            <a:schemeClr val="accent6"/>
+          </a:lnRef>
+          <a:fillRef idx="1">
+            <a:schemeClr val="lt1"/>
+          </a:fillRef>
+          <a:effectRef idx="0">
+            <a:schemeClr val="accent6"/>
+          </a:effectRef>
+          <a:fontRef idx="minor">
+            <a:schemeClr val="dk1"/>
+          </a:fontRef>
+        </p:style>
+        <p:txBody>
+          <a:bodyPr rtlCol="0" anchor="ctr"/>
+          <a:p>
+            <a:pPr algn="ctr"/>
+            <a:r>
+              <a:rPr lang="pt-PT" altLang="en-US" b="1"/>
+              <a:t>Ht</a:t>
+            </a:r>
+            <a:endParaRPr lang="pt-PT" altLang="en-US" b="1"/>
+          </a:p>
+        </p:txBody>
+      </p:sp>
+      <p:sp>
+        <p:nvSpPr>
+          <p:cNvPr id="5" name="Rectangles 4"/>
+          <p:cNvSpPr/>
+          <p:nvPr/>
+        </p:nvSpPr>
+        <p:spPr>
+          <a:xfrm>
+            <a:off x="277495" y="1220470"/>
+            <a:ext cx="1959610" cy="471805"/>
+          </a:xfrm>
+          <a:prstGeom prst="rect">
+            <a:avLst/>
+          </a:prstGeom>
+          <a:ln w="28575">
+            <a:solidFill>
+              <a:schemeClr val="tx1"/>
+            </a:solidFill>
+          </a:ln>
+        </p:spPr>
+        <p:style>
+          <a:lnRef idx="2">
+            <a:schemeClr val="accent6"/>
+          </a:lnRef>
+          <a:fillRef idx="1">
+            <a:schemeClr val="lt1"/>
+          </a:fillRef>
+          <a:effectRef idx="0">
+            <a:schemeClr val="accent6"/>
+          </a:effectRef>
+          <a:fontRef idx="minor">
+            <a:schemeClr val="dk1"/>
+          </a:fontRef>
+        </p:style>
+        <p:txBody>
+          <a:bodyPr rtlCol="0" anchor="ctr"/>
+          <a:p>
+            <a:pPr algn="ctr"/>
+            <a:r>
+              <a:rPr lang="pt-PT" altLang="en-US" b="1"/>
+              <a:t>Ht</a:t>
+            </a:r>
+            <a:endParaRPr lang="pt-PT" altLang="en-US" b="1"/>
           </a:p>
         </p:txBody>
       </p:sp>
